--- a/presentations/weekly_meetings/9_12_24.pptx
+++ b/presentations/weekly_meetings/9_12_24.pptx
@@ -10,8 +10,8 @@
   <p:sldIdLst>
     <p:sldId id="477" r:id="rId2"/>
     <p:sldId id="754" r:id="rId3"/>
-    <p:sldId id="763" r:id="rId4"/>
-    <p:sldId id="787" r:id="rId5"/>
+    <p:sldId id="787" r:id="rId4"/>
+    <p:sldId id="763" r:id="rId5"/>
     <p:sldId id="789" r:id="rId6"/>
     <p:sldId id="785" r:id="rId7"/>
     <p:sldId id="786" r:id="rId8"/>
@@ -216,7 +216,7 @@
           <a:p>
             <a:fld id="{E933A773-0DCE-3544-BB67-D5FA58DF903C}" type="datetimeFigureOut">
               <a:rPr lang="en-US" smtClean="0"/>
-              <a:t>9/11/24</a:t>
+              <a:t>9/12/24</a:t>
             </a:fld>
             <a:endParaRPr lang="en-US"/>
           </a:p>
@@ -709,7 +709,7 @@
         <p:cNvPr id="1" name="">
           <a:extLst>
             <a:ext uri="{FF2B5EF4-FFF2-40B4-BE49-F238E27FC236}">
-              <a16:creationId xmlns:a16="http://schemas.microsoft.com/office/drawing/2014/main" id="{3415C166-0F50-E043-8950-9F266C4565AE}"/>
+              <a16:creationId xmlns:a16="http://schemas.microsoft.com/office/drawing/2014/main" id="{E5F756C1-4826-CE83-1210-AF01FE868DE1}"/>
             </a:ext>
           </a:extLst>
         </p:cNvPr>
@@ -729,7 +729,7 @@
           <p:cNvPr id="2" name="Slide Image Placeholder 1">
             <a:extLst>
               <a:ext uri="{FF2B5EF4-FFF2-40B4-BE49-F238E27FC236}">
-                <a16:creationId xmlns:a16="http://schemas.microsoft.com/office/drawing/2014/main" id="{1E497E09-6D11-D0BA-D2D1-5B08FB997731}"/>
+                <a16:creationId xmlns:a16="http://schemas.microsoft.com/office/drawing/2014/main" id="{72B32192-334E-3B47-4F4B-0F1CB043B442}"/>
               </a:ext>
             </a:extLst>
           </p:cNvPr>
@@ -747,7 +747,7 @@
           <p:cNvPr id="3" name="Notes Placeholder 2">
             <a:extLst>
               <a:ext uri="{FF2B5EF4-FFF2-40B4-BE49-F238E27FC236}">
-                <a16:creationId xmlns:a16="http://schemas.microsoft.com/office/drawing/2014/main" id="{9336C4A5-58A4-D062-54A6-1D67A978E992}"/>
+                <a16:creationId xmlns:a16="http://schemas.microsoft.com/office/drawing/2014/main" id="{1015D348-7CA4-F4DD-2CCF-E19FDA831D47}"/>
               </a:ext>
             </a:extLst>
           </p:cNvPr>
@@ -780,10 +780,7 @@
               <a:tabLst/>
               <a:defRPr/>
             </a:pPr>
-            <a:r>
-              <a:rPr lang="en-US" dirty="0"/>
-              <a:t>Also checked within individual sorts…</a:t>
-            </a:r>
+            <a:endParaRPr lang="en-US" dirty="0"/>
           </a:p>
         </p:txBody>
       </p:sp>
@@ -792,7 +789,7 @@
           <p:cNvPr id="4" name="Slide Number Placeholder 3">
             <a:extLst>
               <a:ext uri="{FF2B5EF4-FFF2-40B4-BE49-F238E27FC236}">
-                <a16:creationId xmlns:a16="http://schemas.microsoft.com/office/drawing/2014/main" id="{9F3FD3E1-ECA8-7789-76B9-A150DB6276EE}"/>
+                <a16:creationId xmlns:a16="http://schemas.microsoft.com/office/drawing/2014/main" id="{F5C321B3-724B-04C1-F352-1DAC5DC6EB4A}"/>
               </a:ext>
             </a:extLst>
           </p:cNvPr>
@@ -819,7 +816,7 @@
     </p:spTree>
     <p:extLst>
       <p:ext uri="{BB962C8B-B14F-4D97-AF65-F5344CB8AC3E}">
-        <p14:creationId xmlns:p14="http://schemas.microsoft.com/office/powerpoint/2010/main" val="4030605113"/>
+        <p14:creationId xmlns:p14="http://schemas.microsoft.com/office/powerpoint/2010/main" val="2216943049"/>
       </p:ext>
     </p:extLst>
   </p:cSld>
@@ -837,7 +834,7 @@
         <p:cNvPr id="1" name="">
           <a:extLst>
             <a:ext uri="{FF2B5EF4-FFF2-40B4-BE49-F238E27FC236}">
-              <a16:creationId xmlns:a16="http://schemas.microsoft.com/office/drawing/2014/main" id="{E5F756C1-4826-CE83-1210-AF01FE868DE1}"/>
+              <a16:creationId xmlns:a16="http://schemas.microsoft.com/office/drawing/2014/main" id="{3415C166-0F50-E043-8950-9F266C4565AE}"/>
             </a:ext>
           </a:extLst>
         </p:cNvPr>
@@ -857,7 +854,7 @@
           <p:cNvPr id="2" name="Slide Image Placeholder 1">
             <a:extLst>
               <a:ext uri="{FF2B5EF4-FFF2-40B4-BE49-F238E27FC236}">
-                <a16:creationId xmlns:a16="http://schemas.microsoft.com/office/drawing/2014/main" id="{72B32192-334E-3B47-4F4B-0F1CB043B442}"/>
+                <a16:creationId xmlns:a16="http://schemas.microsoft.com/office/drawing/2014/main" id="{1E497E09-6D11-D0BA-D2D1-5B08FB997731}"/>
               </a:ext>
             </a:extLst>
           </p:cNvPr>
@@ -875,7 +872,7 @@
           <p:cNvPr id="3" name="Notes Placeholder 2">
             <a:extLst>
               <a:ext uri="{FF2B5EF4-FFF2-40B4-BE49-F238E27FC236}">
-                <a16:creationId xmlns:a16="http://schemas.microsoft.com/office/drawing/2014/main" id="{1015D348-7CA4-F4DD-2CCF-E19FDA831D47}"/>
+                <a16:creationId xmlns:a16="http://schemas.microsoft.com/office/drawing/2014/main" id="{9336C4A5-58A4-D062-54A6-1D67A978E992}"/>
               </a:ext>
             </a:extLst>
           </p:cNvPr>
@@ -908,7 +905,10 @@
               <a:tabLst/>
               <a:defRPr/>
             </a:pPr>
-            <a:endParaRPr lang="en-US" dirty="0"/>
+            <a:r>
+              <a:rPr lang="en-US" dirty="0"/>
+              <a:t>Also checked within individual sorts…</a:t>
+            </a:r>
           </a:p>
         </p:txBody>
       </p:sp>
@@ -917,7 +917,7 @@
           <p:cNvPr id="4" name="Slide Number Placeholder 3">
             <a:extLst>
               <a:ext uri="{FF2B5EF4-FFF2-40B4-BE49-F238E27FC236}">
-                <a16:creationId xmlns:a16="http://schemas.microsoft.com/office/drawing/2014/main" id="{F5C321B3-724B-04C1-F352-1DAC5DC6EB4A}"/>
+                <a16:creationId xmlns:a16="http://schemas.microsoft.com/office/drawing/2014/main" id="{9F3FD3E1-ECA8-7789-76B9-A150DB6276EE}"/>
               </a:ext>
             </a:extLst>
           </p:cNvPr>
@@ -944,7 +944,7 @@
     </p:spTree>
     <p:extLst>
       <p:ext uri="{BB962C8B-B14F-4D97-AF65-F5344CB8AC3E}">
-        <p14:creationId xmlns:p14="http://schemas.microsoft.com/office/powerpoint/2010/main" val="2216943049"/>
+        <p14:creationId xmlns:p14="http://schemas.microsoft.com/office/powerpoint/2010/main" val="3741159463"/>
       </p:ext>
     </p:extLst>
   </p:cSld>
@@ -1069,7 +1069,7 @@
     </p:spTree>
     <p:extLst>
       <p:ext uri="{BB962C8B-B14F-4D97-AF65-F5344CB8AC3E}">
-        <p14:creationId xmlns:p14="http://schemas.microsoft.com/office/powerpoint/2010/main" val="2966850368"/>
+        <p14:creationId xmlns:p14="http://schemas.microsoft.com/office/powerpoint/2010/main" val="2767112050"/>
       </p:ext>
     </p:extLst>
   </p:cSld>
@@ -1729,7 +1729,7 @@
           <a:p>
             <a:fld id="{80FC6068-BAFB-FC44-B9D8-F4B3BB105DE6}" type="datetimeFigureOut">
               <a:rPr lang="en-US" smtClean="0"/>
-              <a:t>9/11/24</a:t>
+              <a:t>9/12/24</a:t>
             </a:fld>
             <a:endParaRPr lang="en-US"/>
           </a:p>
@@ -1927,7 +1927,7 @@
           <a:p>
             <a:fld id="{80FC6068-BAFB-FC44-B9D8-F4B3BB105DE6}" type="datetimeFigureOut">
               <a:rPr lang="en-US" smtClean="0"/>
-              <a:t>9/11/24</a:t>
+              <a:t>9/12/24</a:t>
             </a:fld>
             <a:endParaRPr lang="en-US"/>
           </a:p>
@@ -2135,7 +2135,7 @@
           <a:p>
             <a:fld id="{80FC6068-BAFB-FC44-B9D8-F4B3BB105DE6}" type="datetimeFigureOut">
               <a:rPr lang="en-US" smtClean="0"/>
-              <a:t>9/11/24</a:t>
+              <a:t>9/12/24</a:t>
             </a:fld>
             <a:endParaRPr lang="en-US"/>
           </a:p>
@@ -2339,7 +2339,7 @@
           <a:p>
             <a:fld id="{80FC6068-BAFB-FC44-B9D8-F4B3BB105DE6}" type="datetimeFigureOut">
               <a:rPr lang="en-US" smtClean="0"/>
-              <a:t>9/11/24</a:t>
+              <a:t>9/12/24</a:t>
             </a:fld>
             <a:endParaRPr lang="en-US"/>
           </a:p>
@@ -2630,7 +2630,7 @@
           <a:p>
             <a:fld id="{80FC6068-BAFB-FC44-B9D8-F4B3BB105DE6}" type="datetimeFigureOut">
               <a:rPr lang="en-US" smtClean="0"/>
-              <a:t>9/11/24</a:t>
+              <a:t>9/12/24</a:t>
             </a:fld>
             <a:endParaRPr lang="en-US"/>
           </a:p>
@@ -2895,7 +2895,7 @@
           <a:p>
             <a:fld id="{80FC6068-BAFB-FC44-B9D8-F4B3BB105DE6}" type="datetimeFigureOut">
               <a:rPr lang="en-US" smtClean="0"/>
-              <a:t>9/11/24</a:t>
+              <a:t>9/12/24</a:t>
             </a:fld>
             <a:endParaRPr lang="en-US"/>
           </a:p>
@@ -3307,7 +3307,7 @@
           <a:p>
             <a:fld id="{80FC6068-BAFB-FC44-B9D8-F4B3BB105DE6}" type="datetimeFigureOut">
               <a:rPr lang="en-US" smtClean="0"/>
-              <a:t>9/11/24</a:t>
+              <a:t>9/12/24</a:t>
             </a:fld>
             <a:endParaRPr lang="en-US"/>
           </a:p>
@@ -3448,7 +3448,7 @@
           <a:p>
             <a:fld id="{80FC6068-BAFB-FC44-B9D8-F4B3BB105DE6}" type="datetimeFigureOut">
               <a:rPr lang="en-US" smtClean="0"/>
-              <a:t>9/11/24</a:t>
+              <a:t>9/12/24</a:t>
             </a:fld>
             <a:endParaRPr lang="en-US"/>
           </a:p>
@@ -3561,7 +3561,7 @@
           <a:p>
             <a:fld id="{80FC6068-BAFB-FC44-B9D8-F4B3BB105DE6}" type="datetimeFigureOut">
               <a:rPr lang="en-US" smtClean="0"/>
-              <a:t>9/11/24</a:t>
+              <a:t>9/12/24</a:t>
             </a:fld>
             <a:endParaRPr lang="en-US"/>
           </a:p>
@@ -3872,7 +3872,7 @@
           <a:p>
             <a:fld id="{80FC6068-BAFB-FC44-B9D8-F4B3BB105DE6}" type="datetimeFigureOut">
               <a:rPr lang="en-US" smtClean="0"/>
-              <a:t>9/11/24</a:t>
+              <a:t>9/12/24</a:t>
             </a:fld>
             <a:endParaRPr lang="en-US"/>
           </a:p>
@@ -4160,7 +4160,7 @@
           <a:p>
             <a:fld id="{80FC6068-BAFB-FC44-B9D8-F4B3BB105DE6}" type="datetimeFigureOut">
               <a:rPr lang="en-US" smtClean="0"/>
-              <a:t>9/11/24</a:t>
+              <a:t>9/12/24</a:t>
             </a:fld>
             <a:endParaRPr lang="en-US"/>
           </a:p>
@@ -4401,7 +4401,7 @@
           <a:p>
             <a:fld id="{80FC6068-BAFB-FC44-B9D8-F4B3BB105DE6}" type="datetimeFigureOut">
               <a:rPr lang="en-US" smtClean="0"/>
-              <a:t>9/11/24</a:t>
+              <a:t>9/12/24</a:t>
             </a:fld>
             <a:endParaRPr lang="en-US"/>
           </a:p>
@@ -5019,100 +5019,6 @@
         <p:cNvPr id="1" name="">
           <a:extLst>
             <a:ext uri="{FF2B5EF4-FFF2-40B4-BE49-F238E27FC236}">
-              <a16:creationId xmlns:a16="http://schemas.microsoft.com/office/drawing/2014/main" id="{5F63F271-7169-1115-1EF3-CE3BF477816E}"/>
-            </a:ext>
-          </a:extLst>
-        </p:cNvPr>
-        <p:cNvGrpSpPr/>
-        <p:nvPr/>
-      </p:nvGrpSpPr>
-      <p:grpSpPr>
-        <a:xfrm>
-          <a:off x="0" y="0"/>
-          <a:ext cx="0" cy="0"/>
-          <a:chOff x="0" y="0"/>
-          <a:chExt cx="0" cy="0"/>
-        </a:xfrm>
-      </p:grpSpPr>
-      <p:sp>
-        <p:nvSpPr>
-          <p:cNvPr id="19" name="Title 18">
-            <a:extLst>
-              <a:ext uri="{FF2B5EF4-FFF2-40B4-BE49-F238E27FC236}">
-                <a16:creationId xmlns:a16="http://schemas.microsoft.com/office/drawing/2014/main" id="{2E1D3897-0B4F-3F71-986E-0E74B181F848}"/>
-              </a:ext>
-            </a:extLst>
-          </p:cNvPr>
-          <p:cNvSpPr>
-            <a:spLocks noGrp="1"/>
-          </p:cNvSpPr>
-          <p:nvPr>
-            <p:ph type="title"/>
-          </p:nvPr>
-        </p:nvSpPr>
-        <p:spPr/>
-        <p:txBody>
-          <a:bodyPr/>
-          <a:lstStyle/>
-          <a:p>
-            <a:r>
-              <a:rPr lang="en-US" dirty="0"/>
-              <a:t>No correlation between change in DP CD8s (% or count) and MT SNV counts (2 outliers)</a:t>
-            </a:r>
-          </a:p>
-        </p:txBody>
-      </p:sp>
-      <p:pic>
-        <p:nvPicPr>
-          <p:cNvPr id="4" name="Picture 3">
-            <a:extLst>
-              <a:ext uri="{FF2B5EF4-FFF2-40B4-BE49-F238E27FC236}">
-                <a16:creationId xmlns:a16="http://schemas.microsoft.com/office/drawing/2014/main" id="{1D618383-6600-E96A-6503-AB540F3C358B}"/>
-              </a:ext>
-            </a:extLst>
-          </p:cNvPr>
-          <p:cNvPicPr>
-            <a:picLocks noChangeAspect="1"/>
-          </p:cNvPicPr>
-          <p:nvPr/>
-        </p:nvPicPr>
-        <p:blipFill>
-          <a:blip r:embed="rId3"/>
-          <a:stretch>
-            <a:fillRect/>
-          </a:stretch>
-        </p:blipFill>
-        <p:spPr>
-          <a:xfrm>
-            <a:off x="1526310" y="1690688"/>
-            <a:ext cx="7772400" cy="4891251"/>
-          </a:xfrm>
-          <a:prstGeom prst="rect">
-            <a:avLst/>
-          </a:prstGeom>
-        </p:spPr>
-      </p:pic>
-    </p:spTree>
-    <p:extLst>
-      <p:ext uri="{BB962C8B-B14F-4D97-AF65-F5344CB8AC3E}">
-        <p14:creationId xmlns:p14="http://schemas.microsoft.com/office/powerpoint/2010/main" val="1632586094"/>
-      </p:ext>
-    </p:extLst>
-  </p:cSld>
-  <p:clrMapOvr>
-    <a:masterClrMapping/>
-  </p:clrMapOvr>
-</p:sld>
-</file>
-
-<file path=ppt/slides/slide4.xml><?xml version="1.0" encoding="utf-8"?>
-<p:sld xmlns:a="http://schemas.openxmlformats.org/drawingml/2006/main" xmlns:r="http://schemas.openxmlformats.org/officeDocument/2006/relationships" xmlns:p="http://schemas.openxmlformats.org/presentationml/2006/main">
-  <p:cSld>
-    <p:spTree>
-      <p:nvGrpSpPr>
-        <p:cNvPr id="1" name="">
-          <a:extLst>
-            <a:ext uri="{FF2B5EF4-FFF2-40B4-BE49-F238E27FC236}">
               <a16:creationId xmlns:a16="http://schemas.microsoft.com/office/drawing/2014/main" id="{58842660-12D0-E7F1-94B7-DE8C0E1A4E8B}"/>
             </a:ext>
           </a:extLst>
@@ -5251,6 +5157,102 @@
     <p:extLst>
       <p:ext uri="{BB962C8B-B14F-4D97-AF65-F5344CB8AC3E}">
         <p14:creationId xmlns:p14="http://schemas.microsoft.com/office/powerpoint/2010/main" val="3487051620"/>
+      </p:ext>
+    </p:extLst>
+  </p:cSld>
+  <p:clrMapOvr>
+    <a:masterClrMapping/>
+  </p:clrMapOvr>
+</p:sld>
+</file>
+
+<file path=ppt/slides/slide4.xml><?xml version="1.0" encoding="utf-8"?>
+<p:sld xmlns:a="http://schemas.openxmlformats.org/drawingml/2006/main" xmlns:r="http://schemas.openxmlformats.org/officeDocument/2006/relationships" xmlns:p="http://schemas.openxmlformats.org/presentationml/2006/main">
+  <p:cSld>
+    <p:spTree>
+      <p:nvGrpSpPr>
+        <p:cNvPr id="1" name="">
+          <a:extLst>
+            <a:ext uri="{FF2B5EF4-FFF2-40B4-BE49-F238E27FC236}">
+              <a16:creationId xmlns:a16="http://schemas.microsoft.com/office/drawing/2014/main" id="{5F63F271-7169-1115-1EF3-CE3BF477816E}"/>
+            </a:ext>
+          </a:extLst>
+        </p:cNvPr>
+        <p:cNvGrpSpPr/>
+        <p:nvPr/>
+      </p:nvGrpSpPr>
+      <p:grpSpPr>
+        <a:xfrm>
+          <a:off x="0" y="0"/>
+          <a:ext cx="0" cy="0"/>
+          <a:chOff x="0" y="0"/>
+          <a:chExt cx="0" cy="0"/>
+        </a:xfrm>
+      </p:grpSpPr>
+      <p:sp>
+        <p:nvSpPr>
+          <p:cNvPr id="19" name="Title 18">
+            <a:extLst>
+              <a:ext uri="{FF2B5EF4-FFF2-40B4-BE49-F238E27FC236}">
+                <a16:creationId xmlns:a16="http://schemas.microsoft.com/office/drawing/2014/main" id="{2E1D3897-0B4F-3F71-986E-0E74B181F848}"/>
+              </a:ext>
+            </a:extLst>
+          </p:cNvPr>
+          <p:cNvSpPr>
+            <a:spLocks noGrp="1"/>
+          </p:cNvSpPr>
+          <p:nvPr>
+            <p:ph type="title"/>
+          </p:nvPr>
+        </p:nvSpPr>
+        <p:spPr/>
+        <p:txBody>
+          <a:bodyPr>
+            <a:normAutofit fontScale="90000"/>
+          </a:bodyPr>
+          <a:lstStyle/>
+          <a:p>
+            <a:r>
+              <a:rPr lang="en-US" dirty="0"/>
+              <a:t>Overall, no correlation between change in DP CD8s (% or count) and MT SNV counts, but in NR perhaps correlated…</a:t>
+            </a:r>
+          </a:p>
+        </p:txBody>
+      </p:sp>
+      <p:pic>
+        <p:nvPicPr>
+          <p:cNvPr id="2" name="Picture 1">
+            <a:extLst>
+              <a:ext uri="{FF2B5EF4-FFF2-40B4-BE49-F238E27FC236}">
+                <a16:creationId xmlns:a16="http://schemas.microsoft.com/office/drawing/2014/main" id="{5FC37C8B-291D-7EDD-6BF3-86839E05D158}"/>
+              </a:ext>
+            </a:extLst>
+          </p:cNvPr>
+          <p:cNvPicPr>
+            <a:picLocks noChangeAspect="1"/>
+          </p:cNvPicPr>
+          <p:nvPr/>
+        </p:nvPicPr>
+        <p:blipFill>
+          <a:blip r:embed="rId3"/>
+          <a:stretch>
+            <a:fillRect/>
+          </a:stretch>
+        </p:blipFill>
+        <p:spPr>
+          <a:xfrm>
+            <a:off x="1812636" y="1690688"/>
+            <a:ext cx="7772400" cy="4956313"/>
+          </a:xfrm>
+          <a:prstGeom prst="rect">
+            <a:avLst/>
+          </a:prstGeom>
+        </p:spPr>
+      </p:pic>
+    </p:spTree>
+    <p:extLst>
+      <p:ext uri="{BB962C8B-B14F-4D97-AF65-F5344CB8AC3E}">
+        <p14:creationId xmlns:p14="http://schemas.microsoft.com/office/powerpoint/2010/main" val="3552984966"/>
       </p:ext>
     </p:extLst>
   </p:cSld>
@@ -5417,7 +5419,7 @@
     </p:spTree>
     <p:extLst>
       <p:ext uri="{BB962C8B-B14F-4D97-AF65-F5344CB8AC3E}">
-        <p14:creationId xmlns:p14="http://schemas.microsoft.com/office/powerpoint/2010/main" val="419614448"/>
+        <p14:creationId xmlns:p14="http://schemas.microsoft.com/office/powerpoint/2010/main" val="3356746666"/>
       </p:ext>
     </p:extLst>
   </p:cSld>
@@ -5474,7 +5476,7 @@
         </p:spPr>
         <p:txBody>
           <a:bodyPr>
-            <a:normAutofit lnSpcReduction="10000"/>
+            <a:normAutofit fontScale="92500" lnSpcReduction="10000"/>
           </a:bodyPr>
           <a:lstStyle/>
           <a:p>
@@ -5502,7 +5504,7 @@
             </a:pPr>
             <a:r>
               <a:rPr lang="en-US" dirty="0"/>
-              <a:t>Use of MT SNVs as correlate for cell division count is justified</a:t>
+              <a:t>Use of MT SNVs as correlate for cell division count is justified despite no correlation between change in DP CD8s (% or count) and MT SNV counts</a:t>
             </a:r>
           </a:p>
           <a:p>
@@ -5512,7 +5514,7 @@
             </a:pPr>
             <a:r>
               <a:rPr lang="en-US" dirty="0"/>
-              <a:t>Helped Holly with heatmaps/stats for NCI project/WIP</a:t>
+              <a:t>Helped Holly with heatmaps/stats for NCI project/WIP…</a:t>
             </a:r>
           </a:p>
         </p:txBody>
@@ -6015,6 +6017,40 @@
             <a:r>
               <a:rPr lang="en-US" dirty="0"/>
               <a:t>Continue working with Holly on NCI project</a:t>
+            </a:r>
+          </a:p>
+          <a:p>
+            <a:pPr marL="971550" lvl="1" indent="-514350">
+              <a:buFont typeface="+mj-lt"/>
+              <a:buAutoNum type="alphaLcParenR"/>
+            </a:pPr>
+            <a:r>
+              <a:rPr lang="en-US" dirty="0"/>
+              <a:t>dimensional reduction plots</a:t>
+            </a:r>
+          </a:p>
+          <a:p>
+            <a:pPr marL="971550" lvl="1" indent="-514350">
+              <a:buFont typeface="+mj-lt"/>
+              <a:buAutoNum type="alphaLcParenR"/>
+            </a:pPr>
+            <a:r>
+              <a:rPr lang="en-US" dirty="0" err="1"/>
+              <a:t>irAE</a:t>
+            </a:r>
+            <a:r>
+              <a:rPr lang="en-US" dirty="0"/>
+              <a:t> grade as continuous var</a:t>
+            </a:r>
+          </a:p>
+          <a:p>
+            <a:pPr marL="971550" lvl="1" indent="-514350">
+              <a:buFont typeface="+mj-lt"/>
+              <a:buAutoNum type="alphaLcParenR"/>
+            </a:pPr>
+            <a:r>
+              <a:rPr lang="en-US" dirty="0"/>
+              <a:t>other method ideas from papers Jane sent (subtracting ICI effects from baseline differences)</a:t>
             </a:r>
           </a:p>
         </p:txBody>
